--- a/hibatis.pptx
+++ b/hibatis.pptx
@@ -4443,7 +4443,15 @@
             </a:r>
             <a:r>
               <a:rPr lang="en-US" altLang="zh-CN" dirty="0" smtClean="0"/>
-              <a:t> mean hibernate + </a:t>
+              <a:t> </a:t>
+            </a:r>
+            <a:r>
+              <a:rPr lang="en-US" altLang="zh-CN" dirty="0" smtClean="0"/>
+              <a:t>means </a:t>
+            </a:r>
+            <a:r>
+              <a:rPr lang="en-US" altLang="zh-CN" dirty="0" smtClean="0"/>
+              <a:t>hibernate + </a:t>
             </a:r>
             <a:r>
               <a:rPr lang="en-US" altLang="zh-CN" dirty="0" err="1" smtClean="0"/>

--- a/hibatis.pptx
+++ b/hibatis.pptx
@@ -286,7 +286,7 @@
             <a:fld id="{90970C8D-47F5-4980-8B9E-6DAAA172B811}" type="datetimeFigureOut">
               <a:rPr lang="zh-CN" altLang="en-US" smtClean="0"/>
               <a:pPr/>
-              <a:t>2016/10/21</a:t>
+              <a:t>2017/6/17</a:t>
             </a:fld>
             <a:endParaRPr lang="zh-CN" altLang="en-US"/>
           </a:p>
@@ -453,7 +453,7 @@
             <a:fld id="{90970C8D-47F5-4980-8B9E-6DAAA172B811}" type="datetimeFigureOut">
               <a:rPr lang="zh-CN" altLang="en-US" smtClean="0"/>
               <a:pPr/>
-              <a:t>2016/10/21</a:t>
+              <a:t>2017/6/17</a:t>
             </a:fld>
             <a:endParaRPr lang="zh-CN" altLang="en-US"/>
           </a:p>
@@ -630,7 +630,7 @@
             <a:fld id="{90970C8D-47F5-4980-8B9E-6DAAA172B811}" type="datetimeFigureOut">
               <a:rPr lang="zh-CN" altLang="en-US" smtClean="0"/>
               <a:pPr/>
-              <a:t>2016/10/21</a:t>
+              <a:t>2017/6/17</a:t>
             </a:fld>
             <a:endParaRPr lang="zh-CN" altLang="en-US"/>
           </a:p>
@@ -797,7 +797,7 @@
             <a:fld id="{90970C8D-47F5-4980-8B9E-6DAAA172B811}" type="datetimeFigureOut">
               <a:rPr lang="zh-CN" altLang="en-US" smtClean="0"/>
               <a:pPr/>
-              <a:t>2016/10/21</a:t>
+              <a:t>2017/6/17</a:t>
             </a:fld>
             <a:endParaRPr lang="zh-CN" altLang="en-US"/>
           </a:p>
@@ -1041,7 +1041,7 @@
             <a:fld id="{90970C8D-47F5-4980-8B9E-6DAAA172B811}" type="datetimeFigureOut">
               <a:rPr lang="zh-CN" altLang="en-US" smtClean="0"/>
               <a:pPr/>
-              <a:t>2016/10/21</a:t>
+              <a:t>2017/6/17</a:t>
             </a:fld>
             <a:endParaRPr lang="zh-CN" altLang="en-US"/>
           </a:p>
@@ -1307,7 +1307,7 @@
             <a:fld id="{90970C8D-47F5-4980-8B9E-6DAAA172B811}" type="datetimeFigureOut">
               <a:rPr lang="zh-CN" altLang="en-US" smtClean="0"/>
               <a:pPr/>
-              <a:t>2016/10/21</a:t>
+              <a:t>2017/6/17</a:t>
             </a:fld>
             <a:endParaRPr lang="zh-CN" altLang="en-US"/>
           </a:p>
@@ -1687,7 +1687,7 @@
             <a:fld id="{90970C8D-47F5-4980-8B9E-6DAAA172B811}" type="datetimeFigureOut">
               <a:rPr lang="zh-CN" altLang="en-US" smtClean="0"/>
               <a:pPr/>
-              <a:t>2016/10/21</a:t>
+              <a:t>2017/6/17</a:t>
             </a:fld>
             <a:endParaRPr lang="zh-CN" altLang="en-US"/>
           </a:p>
@@ -1839,7 +1839,7 @@
             <a:fld id="{90970C8D-47F5-4980-8B9E-6DAAA172B811}" type="datetimeFigureOut">
               <a:rPr lang="zh-CN" altLang="en-US" smtClean="0"/>
               <a:pPr/>
-              <a:t>2016/10/21</a:t>
+              <a:t>2017/6/17</a:t>
             </a:fld>
             <a:endParaRPr lang="zh-CN" altLang="en-US"/>
           </a:p>
@@ -1931,7 +1931,7 @@
             <a:fld id="{90970C8D-47F5-4980-8B9E-6DAAA172B811}" type="datetimeFigureOut">
               <a:rPr lang="zh-CN" altLang="en-US" smtClean="0"/>
               <a:pPr/>
-              <a:t>2016/10/21</a:t>
+              <a:t>2017/6/17</a:t>
             </a:fld>
             <a:endParaRPr lang="zh-CN" altLang="en-US"/>
           </a:p>
@@ -2194,7 +2194,7 @@
             <a:fld id="{90970C8D-47F5-4980-8B9E-6DAAA172B811}" type="datetimeFigureOut">
               <a:rPr lang="zh-CN" altLang="en-US" smtClean="0"/>
               <a:pPr/>
-              <a:t>2016/10/21</a:t>
+              <a:t>2017/6/17</a:t>
             </a:fld>
             <a:endParaRPr lang="zh-CN" altLang="en-US"/>
           </a:p>
@@ -2484,7 +2484,7 @@
             <a:fld id="{90970C8D-47F5-4980-8B9E-6DAAA172B811}" type="datetimeFigureOut">
               <a:rPr lang="zh-CN" altLang="en-US" smtClean="0"/>
               <a:pPr/>
-              <a:t>2016/10/21</a:t>
+              <a:t>2017/6/17</a:t>
             </a:fld>
             <a:endParaRPr lang="zh-CN" altLang="en-US"/>
           </a:p>
@@ -3257,7 +3257,7 @@
             <a:fld id="{90970C8D-47F5-4980-8B9E-6DAAA172B811}" type="datetimeFigureOut">
               <a:rPr lang="zh-CN" altLang="en-US" smtClean="0"/>
               <a:pPr/>
-              <a:t>2016/10/21</a:t>
+              <a:t>2017/6/17</a:t>
             </a:fld>
             <a:endParaRPr lang="zh-CN" altLang="en-US"/>
           </a:p>
@@ -4443,15 +4443,7 @@
             </a:r>
             <a:r>
               <a:rPr lang="en-US" altLang="zh-CN" dirty="0" smtClean="0"/>
-              <a:t> </a:t>
-            </a:r>
-            <a:r>
-              <a:rPr lang="en-US" altLang="zh-CN" dirty="0" smtClean="0"/>
-              <a:t>means </a:t>
-            </a:r>
-            <a:r>
-              <a:rPr lang="en-US" altLang="zh-CN" dirty="0" smtClean="0"/>
-              <a:t>hibernate + </a:t>
+              <a:t> means hibernate + </a:t>
             </a:r>
             <a:r>
               <a:rPr lang="en-US" altLang="zh-CN" dirty="0" err="1" smtClean="0"/>
@@ -5868,9 +5860,38 @@
           <a:lstStyle/>
           <a:p>
             <a:r>
-              <a:rPr lang="en-US" altLang="zh-CN" dirty="0" smtClean="0"/>
-              <a:t>https://github.com/anleapat/hibatis</a:t>
-            </a:r>
+              <a:rPr lang="en-US" altLang="zh-CN" dirty="0" smtClean="0">
+                <a:hlinkClick r:id="rId2"/>
+              </a:rPr>
+              <a:t>https://</a:t>
+            </a:r>
+            <a:r>
+              <a:rPr lang="en-US" altLang="zh-CN" dirty="0" smtClean="0">
+                <a:hlinkClick r:id="rId2"/>
+              </a:rPr>
+              <a:t>github.com/anleapat/hibatis</a:t>
+            </a:r>
+            <a:endParaRPr lang="en-US" altLang="zh-CN" dirty="0" smtClean="0"/>
+          </a:p>
+          <a:p>
+            <a:r>
+              <a:rPr lang="en-US" altLang="zh-CN" dirty="0" smtClean="0">
+                <a:hlinkClick r:id="rId3"/>
+              </a:rPr>
+              <a:t>https://</a:t>
+            </a:r>
+            <a:r>
+              <a:rPr lang="en-US" altLang="zh-CN" dirty="0" smtClean="0">
+                <a:hlinkClick r:id="rId3"/>
+              </a:rPr>
+              <a:t>www.facebook.com/100011357708284/videos/393590204362900</a:t>
+            </a:r>
+            <a:endParaRPr lang="en-US" altLang="zh-CN" dirty="0" smtClean="0"/>
+          </a:p>
+          <a:p>
+            <a:pPr>
+              <a:buNone/>
+            </a:pPr>
             <a:endParaRPr lang="zh-CN" altLang="en-US" dirty="0"/>
           </a:p>
         </p:txBody>
